--- a/slides/neuralsequence3.pptx
+++ b/slides/neuralsequence3.pptx
@@ -355,11 +355,11 @@
           <c:showPercent val="0"/>
           <c:showBubbleSize val="0"/>
         </c:dLbls>
-        <c:axId val="-982254912"/>
-        <c:axId val="-982506800"/>
+        <c:axId val="-1056878512"/>
+        <c:axId val="-1056877152"/>
       </c:scatterChart>
       <c:valAx>
-        <c:axId val="-982254912"/>
+        <c:axId val="-1056878512"/>
         <c:scaling>
           <c:orientation val="minMax"/>
         </c:scaling>
@@ -415,12 +415,12 @@
             <a:endParaRPr lang="en-US"/>
           </a:p>
         </c:txPr>
-        <c:crossAx val="-982506800"/>
+        <c:crossAx val="-1056877152"/>
         <c:crosses val="autoZero"/>
         <c:crossBetween val="midCat"/>
       </c:valAx>
       <c:valAx>
-        <c:axId val="-982506800"/>
+        <c:axId val="-1056877152"/>
         <c:scaling>
           <c:orientation val="minMax"/>
         </c:scaling>
@@ -476,7 +476,7 @@
             <a:endParaRPr lang="en-US"/>
           </a:p>
         </c:txPr>
-        <c:crossAx val="-982254912"/>
+        <c:crossAx val="-1056878512"/>
         <c:crosses val="autoZero"/>
         <c:crossBetween val="midCat"/>
       </c:valAx>
@@ -661,11 +661,11 @@
           <c:showPercent val="0"/>
           <c:showBubbleSize val="0"/>
         </c:dLbls>
-        <c:axId val="-982571712"/>
-        <c:axId val="-982640560"/>
+        <c:axId val="-1452600848"/>
+        <c:axId val="-1029630160"/>
       </c:scatterChart>
       <c:valAx>
-        <c:axId val="-982571712"/>
+        <c:axId val="-1452600848"/>
         <c:scaling>
           <c:orientation val="minMax"/>
         </c:scaling>
@@ -721,12 +721,12 @@
             <a:endParaRPr lang="en-US"/>
           </a:p>
         </c:txPr>
-        <c:crossAx val="-982640560"/>
+        <c:crossAx val="-1029630160"/>
         <c:crosses val="autoZero"/>
         <c:crossBetween val="midCat"/>
       </c:valAx>
       <c:valAx>
-        <c:axId val="-982640560"/>
+        <c:axId val="-1029630160"/>
         <c:scaling>
           <c:orientation val="minMax"/>
         </c:scaling>
@@ -782,7 +782,7 @@
             <a:endParaRPr lang="en-US"/>
           </a:p>
         </c:txPr>
-        <c:crossAx val="-982571712"/>
+        <c:crossAx val="-1452600848"/>
         <c:crosses val="autoZero"/>
         <c:crossBetween val="midCat"/>
       </c:valAx>
@@ -960,11 +960,11 @@
           <c:showPercent val="0"/>
           <c:showBubbleSize val="0"/>
         </c:dLbls>
-        <c:axId val="-985780704"/>
-        <c:axId val="-1452585264"/>
+        <c:axId val="-1029498784"/>
+        <c:axId val="-1029680016"/>
       </c:scatterChart>
       <c:valAx>
-        <c:axId val="-985780704"/>
+        <c:axId val="-1029498784"/>
         <c:scaling>
           <c:orientation val="minMax"/>
         </c:scaling>
@@ -1020,12 +1020,12 @@
             <a:endParaRPr lang="en-US"/>
           </a:p>
         </c:txPr>
-        <c:crossAx val="-1452585264"/>
+        <c:crossAx val="-1029680016"/>
         <c:crosses val="autoZero"/>
         <c:crossBetween val="midCat"/>
       </c:valAx>
       <c:valAx>
-        <c:axId val="-1452585264"/>
+        <c:axId val="-1029680016"/>
         <c:scaling>
           <c:orientation val="minMax"/>
         </c:scaling>
@@ -1081,7 +1081,7 @@
             <a:endParaRPr lang="en-US"/>
           </a:p>
         </c:txPr>
-        <c:crossAx val="-985780704"/>
+        <c:crossAx val="-1029498784"/>
         <c:crosses val="autoZero"/>
         <c:crossBetween val="midCat"/>
       </c:valAx>
@@ -1259,11 +1259,11 @@
           <c:showPercent val="0"/>
           <c:showBubbleSize val="0"/>
         </c:dLbls>
-        <c:axId val="-1379856496"/>
-        <c:axId val="-1379904656"/>
+        <c:axId val="-988837776"/>
+        <c:axId val="-988835728"/>
       </c:scatterChart>
       <c:valAx>
-        <c:axId val="-1379856496"/>
+        <c:axId val="-988837776"/>
         <c:scaling>
           <c:orientation val="minMax"/>
         </c:scaling>
@@ -1319,12 +1319,12 @@
             <a:endParaRPr lang="en-US"/>
           </a:p>
         </c:txPr>
-        <c:crossAx val="-1379904656"/>
+        <c:crossAx val="-988835728"/>
         <c:crosses val="autoZero"/>
         <c:crossBetween val="midCat"/>
       </c:valAx>
       <c:valAx>
-        <c:axId val="-1379904656"/>
+        <c:axId val="-988835728"/>
         <c:scaling>
           <c:orientation val="minMax"/>
         </c:scaling>
@@ -1380,7 +1380,7 @@
             <a:endParaRPr lang="en-US"/>
           </a:p>
         </c:txPr>
-        <c:crossAx val="-1379856496"/>
+        <c:crossAx val="-988837776"/>
         <c:crosses val="autoZero"/>
         <c:crossBetween val="midCat"/>
       </c:valAx>
@@ -1558,11 +1558,11 @@
           <c:showPercent val="0"/>
           <c:showBubbleSize val="0"/>
         </c:dLbls>
-        <c:axId val="-1454059056"/>
-        <c:axId val="-1380576784"/>
+        <c:axId val="-1056095760"/>
+        <c:axId val="-1056951568"/>
       </c:scatterChart>
       <c:valAx>
-        <c:axId val="-1454059056"/>
+        <c:axId val="-1056095760"/>
         <c:scaling>
           <c:orientation val="minMax"/>
         </c:scaling>
@@ -1618,12 +1618,12 @@
             <a:endParaRPr lang="en-US"/>
           </a:p>
         </c:txPr>
-        <c:crossAx val="-1380576784"/>
+        <c:crossAx val="-1056951568"/>
         <c:crosses val="autoZero"/>
         <c:crossBetween val="midCat"/>
       </c:valAx>
       <c:valAx>
-        <c:axId val="-1380576784"/>
+        <c:axId val="-1056951568"/>
         <c:scaling>
           <c:orientation val="minMax"/>
         </c:scaling>
@@ -1643,6 +1643,7 @@
             <a:effectLst/>
           </c:spPr>
         </c:majorGridlines>
+        <c:numFmt formatCode="General" sourceLinked="0"/>
         <c:majorTickMark val="none"/>
         <c:minorTickMark val="none"/>
         <c:tickLblPos val="nextTo"/>
@@ -1679,7 +1680,7 @@
             <a:endParaRPr lang="en-US"/>
           </a:p>
         </c:txPr>
-        <c:crossAx val="-1454059056"/>
+        <c:crossAx val="-1056095760"/>
         <c:crosses val="autoZero"/>
         <c:crossBetween val="midCat"/>
       </c:valAx>
@@ -1857,11 +1858,11 @@
           <c:showPercent val="0"/>
           <c:showBubbleSize val="0"/>
         </c:dLbls>
-        <c:axId val="-1380401856"/>
-        <c:axId val="-1380395328"/>
+        <c:axId val="-1055386480"/>
+        <c:axId val="-1055393888"/>
       </c:scatterChart>
       <c:valAx>
-        <c:axId val="-1380401856"/>
+        <c:axId val="-1055386480"/>
         <c:scaling>
           <c:orientation val="minMax"/>
         </c:scaling>
@@ -1917,12 +1918,12 @@
             <a:endParaRPr lang="en-US"/>
           </a:p>
         </c:txPr>
-        <c:crossAx val="-1380395328"/>
+        <c:crossAx val="-1055393888"/>
         <c:crosses val="autoZero"/>
         <c:crossBetween val="midCat"/>
       </c:valAx>
       <c:valAx>
-        <c:axId val="-1380395328"/>
+        <c:axId val="-1055393888"/>
         <c:scaling>
           <c:orientation val="minMax"/>
         </c:scaling>
@@ -1978,7 +1979,7 @@
             <a:endParaRPr lang="en-US"/>
           </a:p>
         </c:txPr>
-        <c:crossAx val="-1380401856"/>
+        <c:crossAx val="-1055386480"/>
         <c:crosses val="autoZero"/>
         <c:crossBetween val="midCat"/>
       </c:valAx>
@@ -15499,8 +15500,8 @@
         </p:nvSpPr>
         <p:spPr>
           <a:xfrm>
-            <a:off x="2422094" y="2183939"/>
-            <a:ext cx="535723" cy="338554"/>
+            <a:off x="2422093" y="2183939"/>
+            <a:ext cx="535724" cy="338554"/>
           </a:xfrm>
           <a:prstGeom prst="rect">
             <a:avLst/>
@@ -15515,12 +15516,8 @@
           <a:p>
             <a:pPr algn="ctr"/>
             <a:r>
-              <a:rPr lang="en-US" altLang="zh-CN" sz="1600" dirty="0"/>
-              <a:t>b</a:t>
-            </a:r>
-            <a:r>
               <a:rPr lang="en-US" altLang="zh-CN" sz="1600" dirty="0" smtClean="0"/>
-              <a:t>:0</a:t>
+              <a:t>b:1</a:t>
             </a:r>
             <a:endParaRPr lang="en-US" sz="1600" dirty="0"/>
           </a:p>
@@ -16974,8 +16971,8 @@
         </p:nvSpPr>
         <p:spPr>
           <a:xfrm>
-            <a:off x="2422094" y="2183939"/>
-            <a:ext cx="535723" cy="338554"/>
+            <a:off x="2436076" y="2183939"/>
+            <a:ext cx="535724" cy="338554"/>
           </a:xfrm>
           <a:prstGeom prst="rect">
             <a:avLst/>
@@ -16990,12 +16987,8 @@
           <a:p>
             <a:pPr algn="ctr"/>
             <a:r>
-              <a:rPr lang="en-US" altLang="zh-CN" sz="1600" dirty="0"/>
-              <a:t>b</a:t>
-            </a:r>
-            <a:r>
               <a:rPr lang="en-US" altLang="zh-CN" sz="1600" dirty="0" smtClean="0"/>
-              <a:t>:0</a:t>
+              <a:t>b:1</a:t>
             </a:r>
             <a:endParaRPr lang="en-US" sz="1600" dirty="0"/>
           </a:p>
@@ -17942,12 +17935,8 @@
           <a:p>
             <a:pPr algn="ctr"/>
             <a:r>
-              <a:rPr lang="en-US" altLang="zh-CN" sz="1600" dirty="0"/>
-              <a:t>b</a:t>
-            </a:r>
-            <a:r>
               <a:rPr lang="en-US" altLang="zh-CN" sz="1600" dirty="0" smtClean="0"/>
-              <a:t>:0</a:t>
+              <a:t>b:1</a:t>
             </a:r>
             <a:endParaRPr lang="en-US" sz="1600" dirty="0"/>
           </a:p>
@@ -18448,11 +18437,7 @@
             <a:pPr algn="ctr"/>
             <a:r>
               <a:rPr lang="en-US" altLang="zh-CN" sz="1600" dirty="0" smtClean="0"/>
-              <a:t>b</a:t>
-            </a:r>
-            <a:r>
-              <a:rPr lang="en-US" altLang="zh-CN" sz="1600" dirty="0" smtClean="0"/>
-              <a:t>:1</a:t>
+              <a:t>b:1</a:t>
             </a:r>
           </a:p>
           <a:p>
@@ -19015,7 +19000,6 @@
               <a:rPr lang="pt-BR" dirty="0" smtClean="0"/>
               <a:t>4. ]]</a:t>
             </a:r>
-            <a:endParaRPr lang="pt-BR" dirty="0" smtClean="0"/>
           </a:p>
           <a:p>
             <a:r>
@@ -19207,7 +19191,6 @@
               <a:rPr lang="pt-BR" dirty="0"/>
               <a:t>]</a:t>
             </a:r>
-            <a:endParaRPr lang="pt-BR" dirty="0"/>
           </a:p>
         </p:txBody>
       </p:sp>
@@ -19471,8 +19454,8 @@
         </p:nvSpPr>
         <p:spPr>
           <a:xfrm>
-            <a:off x="1572415" y="5664071"/>
-            <a:ext cx="530915" cy="338554"/>
+            <a:off x="1572415" y="5663625"/>
+            <a:ext cx="530915" cy="584775"/>
           </a:xfrm>
           <a:prstGeom prst="rect">
             <a:avLst/>
@@ -19489,6 +19472,13 @@
             <a:r>
               <a:rPr lang="en-US" altLang="zh-CN" sz="1600" dirty="0" smtClean="0"/>
               <a:t>a:0</a:t>
+            </a:r>
+          </a:p>
+          <a:p>
+            <a:pPr algn="ctr"/>
+            <a:r>
+              <a:rPr lang="en-US" altLang="zh-CN" sz="1600" dirty="0" smtClean="0"/>
+              <a:t>b:1</a:t>
             </a:r>
             <a:endParaRPr lang="en-US" sz="1600" dirty="0"/>
           </a:p>
@@ -19972,8 +19962,8 @@
         </p:nvSpPr>
         <p:spPr>
           <a:xfrm>
-            <a:off x="2422094" y="2183939"/>
-            <a:ext cx="535723" cy="338554"/>
+            <a:off x="2422093" y="2060829"/>
+            <a:ext cx="535723" cy="584775"/>
           </a:xfrm>
           <a:prstGeom prst="rect">
             <a:avLst/>
@@ -19988,14 +19978,17 @@
           <a:p>
             <a:pPr algn="ctr"/>
             <a:r>
-              <a:rPr lang="en-US" altLang="zh-CN" sz="1600" dirty="0"/>
-              <a:t>b</a:t>
-            </a:r>
-            <a:r>
               <a:rPr lang="en-US" altLang="zh-CN" sz="1600" dirty="0" smtClean="0"/>
-              <a:t>:0</a:t>
-            </a:r>
-            <a:endParaRPr lang="en-US" sz="1600" dirty="0"/>
+              <a:t>b:1</a:t>
+            </a:r>
+          </a:p>
+          <a:p>
+            <a:pPr algn="ctr"/>
+            <a:r>
+              <a:rPr lang="en-US" altLang="zh-CN" sz="1600" dirty="0" smtClean="0"/>
+              <a:t>c:2</a:t>
+            </a:r>
+            <a:endParaRPr lang="en-US" altLang="zh-CN" sz="1600" dirty="0" smtClean="0"/>
           </a:p>
         </p:txBody>
       </p:sp>
@@ -20572,11 +20565,7 @@
           <a:p>
             <a:r>
               <a:rPr lang="is-IS" dirty="0" smtClean="0"/>
-              <a:t>[[ </a:t>
-            </a:r>
-            <a:r>
-              <a:rPr lang="is-IS" dirty="0" smtClean="0"/>
-              <a:t>0.673236</a:t>
+              <a:t>[[ 0.673236</a:t>
             </a:r>
             <a:r>
               <a:rPr lang="is-IS" dirty="0"/>
@@ -20652,7 +20641,6 @@
               <a:rPr lang="is-IS" dirty="0" smtClean="0"/>
               <a:t>1.53118 = 2.3412</a:t>
             </a:r>
-            <a:endParaRPr lang="is-IS" dirty="0" smtClean="0"/>
           </a:p>
           <a:p>
             <a:r>
@@ -21092,11 +21080,7 @@
             </a:r>
             <a:r>
               <a:rPr lang="zh-CN" altLang="en-US" dirty="0" smtClean="0"/>
-              <a:t>上</a:t>
-            </a:r>
-            <a:r>
-              <a:rPr lang="zh-CN" altLang="en-US" dirty="0" smtClean="0"/>
-              <a:t>问题</a:t>
+              <a:t>上问题</a:t>
             </a:r>
             <a:endParaRPr lang="en-US" altLang="zh-CN" dirty="0" smtClean="0"/>
           </a:p>
@@ -21677,11 +21661,7 @@
             </a:r>
             <a:r>
               <a:rPr lang="zh-CN" altLang="en-US" dirty="0" smtClean="0"/>
-              <a:t>上</a:t>
-            </a:r>
-            <a:r>
-              <a:rPr lang="zh-CN" altLang="en-US" dirty="0" smtClean="0"/>
-              <a:t>问题</a:t>
+              <a:t>上问题</a:t>
             </a:r>
             <a:endParaRPr lang="en-US" altLang="zh-CN" dirty="0" smtClean="0"/>
           </a:p>
@@ -21689,11 +21669,7 @@
             <a:pPr lvl="1"/>
             <a:r>
               <a:rPr lang="zh-CN" altLang="en-US" dirty="0" smtClean="0"/>
-              <a:t>句子的长度不</a:t>
-            </a:r>
-            <a:r>
-              <a:rPr lang="zh-CN" altLang="en-US" dirty="0" smtClean="0"/>
-              <a:t>一样：</a:t>
+              <a:t>句子的长度不一样：</a:t>
             </a:r>
             <a:r>
               <a:rPr lang="zh-CN" altLang="en-US" dirty="0" smtClean="0">
@@ -21719,11 +21695,6 @@
               </a:rPr>
               <a:t>padding</a:t>
             </a:r>
-            <a:endParaRPr lang="en-US" altLang="zh-CN" dirty="0" smtClean="0">
-              <a:solidFill>
-                <a:srgbClr val="FF0000"/>
-              </a:solidFill>
-            </a:endParaRPr>
           </a:p>
           <a:p>
             <a:pPr lvl="1"/>
@@ -22156,11 +22127,7 @@
             </a:r>
             <a:r>
               <a:rPr lang="zh-CN" altLang="en-US" dirty="0" smtClean="0"/>
-              <a:t>上</a:t>
-            </a:r>
-            <a:r>
-              <a:rPr lang="zh-CN" altLang="en-US" dirty="0" smtClean="0"/>
-              <a:t>问题</a:t>
+              <a:t>上问题</a:t>
             </a:r>
             <a:endParaRPr lang="en-US" altLang="zh-CN" dirty="0" smtClean="0"/>
           </a:p>
@@ -22689,11 +22656,7 @@
             </a:r>
             <a:r>
               <a:rPr lang="zh-CN" altLang="en-US" dirty="0" smtClean="0"/>
-              <a:t>上</a:t>
-            </a:r>
-            <a:r>
-              <a:rPr lang="zh-CN" altLang="en-US" dirty="0" smtClean="0"/>
-              <a:t>问题</a:t>
+              <a:t>上问题</a:t>
             </a:r>
             <a:endParaRPr lang="en-US" altLang="zh-CN" dirty="0" smtClean="0"/>
           </a:p>
@@ -22721,15 +22684,7 @@
                   <a:srgbClr val="FF0000"/>
                 </a:solidFill>
               </a:rPr>
-              <a:t>0</a:t>
-            </a:r>
-            <a:r>
-              <a:rPr lang="en-US" altLang="zh-CN" dirty="0" smtClean="0">
-                <a:solidFill>
-                  <a:srgbClr val="FF0000"/>
-                </a:solidFill>
-              </a:rPr>
-              <a:t>/1</a:t>
+              <a:t>0/1</a:t>
             </a:r>
             <a:r>
               <a:rPr lang="zh-CN" altLang="en-US" dirty="0" smtClean="0">
@@ -23232,11 +23187,7 @@
             </a:r>
             <a:r>
               <a:rPr lang="zh-CN" altLang="en-US" dirty="0" smtClean="0"/>
-              <a:t>上</a:t>
-            </a:r>
-            <a:r>
-              <a:rPr lang="zh-CN" altLang="en-US" dirty="0" smtClean="0"/>
-              <a:t>问题</a:t>
+              <a:t>上问题</a:t>
             </a:r>
             <a:endParaRPr lang="en-US" altLang="zh-CN" dirty="0"/>
           </a:p>
@@ -23309,11 +23260,7 @@
             </a:r>
             <a:r>
               <a:rPr lang="en-US" altLang="zh-CN" dirty="0" smtClean="0"/>
-              <a:t>1101++1226+1+1</a:t>
-            </a:r>
-            <a:r>
-              <a:rPr lang="en-US" altLang="zh-CN" dirty="0" smtClean="0"/>
-              <a:t>)</a:t>
+              <a:t>1101++1226+1+1)</a:t>
             </a:r>
             <a:r>
               <a:rPr lang="zh-CN" altLang="en-US" dirty="0" smtClean="0"/>
@@ -23916,11 +23863,7 @@
             </a:r>
             <a:r>
               <a:rPr lang="zh-CN" altLang="en-US" dirty="0" smtClean="0"/>
-              <a:t>上</a:t>
-            </a:r>
-            <a:r>
-              <a:rPr lang="zh-CN" altLang="en-US" dirty="0" smtClean="0"/>
-              <a:t>问题</a:t>
+              <a:t>上问题</a:t>
             </a:r>
             <a:endParaRPr lang="en-US" altLang="zh-CN" dirty="0"/>
           </a:p>
@@ -23966,11 +23909,7 @@
             </a:r>
             <a:r>
               <a:rPr lang="en-US" altLang="zh-CN" dirty="0" smtClean="0"/>
-              <a:t>1101++1226+1+1</a:t>
-            </a:r>
-            <a:r>
-              <a:rPr lang="en-US" altLang="zh-CN" dirty="0" smtClean="0"/>
-              <a:t>)</a:t>
+              <a:t>1101++1226+1+1)</a:t>
             </a:r>
             <a:r>
               <a:rPr lang="zh-CN" altLang="en-US" dirty="0" smtClean="0"/>
@@ -24827,7 +24766,6 @@
               <a:rPr lang="en-US" altLang="zh-CN" dirty="0" smtClean="0"/>
               <a:t>4</a:t>
             </a:r>
-            <a:endParaRPr lang="en-US" altLang="zh-CN" dirty="0" smtClean="0"/>
           </a:p>
           <a:p>
             <a:pPr lvl="2"/>
@@ -26198,7 +26136,6 @@
               <a:rPr lang="en-US" altLang="zh-CN" dirty="0" smtClean="0"/>
               <a:t>[3,4]</a:t>
             </a:r>
-            <a:endParaRPr lang="en-US" altLang="zh-CN" dirty="0" smtClean="0"/>
           </a:p>
         </p:txBody>
       </p:sp>
@@ -26813,7 +26750,6 @@
               <a:rPr lang="en-US" altLang="zh-CN" dirty="0" smtClean="0"/>
               <a:t>[1,4]</a:t>
             </a:r>
-            <a:endParaRPr lang="en-US" altLang="zh-CN" dirty="0" smtClean="0"/>
           </a:p>
         </p:txBody>
       </p:sp>
@@ -27424,7 +27360,6 @@
               <a:rPr lang="en-US" altLang="zh-CN" dirty="0" smtClean="0"/>
               <a:t>[2,4,3]</a:t>
             </a:r>
-            <a:endParaRPr lang="en-US" altLang="zh-CN" dirty="0" smtClean="0"/>
           </a:p>
         </p:txBody>
       </p:sp>
@@ -28130,7 +28065,6 @@
               <a:rPr lang="en-US" altLang="zh-CN" dirty="0" smtClean="0"/>
               <a:t>[1,2,4]</a:t>
             </a:r>
-            <a:endParaRPr lang="en-US" altLang="zh-CN" dirty="0" smtClean="0"/>
           </a:p>
         </p:txBody>
       </p:sp>
@@ -29539,7 +29473,6 @@
               <a:rPr lang="en-US" altLang="zh-CN" sz="1800" dirty="0" smtClean="0"/>
               <a:t>s4]</a:t>
             </a:r>
-            <a:endParaRPr lang="en-US" altLang="zh-CN" sz="1800" dirty="0" smtClean="0"/>
           </a:p>
           <a:p>
             <a:pPr lvl="3"/>
@@ -29842,7 +29775,6 @@
               <a:rPr lang="en-US" altLang="zh-CN" sz="1800" dirty="0" smtClean="0"/>
               <a:t>s4]</a:t>
             </a:r>
-            <a:endParaRPr lang="en-US" altLang="zh-CN" sz="1800" dirty="0" smtClean="0"/>
           </a:p>
           <a:p>
             <a:pPr lvl="3"/>
@@ -30058,7 +29990,19 @@
             </a:r>
             <a:r>
               <a:rPr lang="en-US" altLang="zh-CN" sz="1800" dirty="0" smtClean="0"/>
-              <a:t>[[1,1,0,</a:t>
+              <a:t>[[1,1,</a:t>
+            </a:r>
+            <a:r>
+              <a:rPr lang="en-US" altLang="zh-CN" sz="1800" dirty="0" smtClean="0">
+                <a:solidFill>
+                  <a:srgbClr val="0000FF"/>
+                </a:solidFill>
+              </a:rPr>
+              <a:t>0</a:t>
+            </a:r>
+            <a:r>
+              <a:rPr lang="en-US" altLang="zh-CN" sz="1800" dirty="0" smtClean="0"/>
+              <a:t>,</a:t>
             </a:r>
             <a:r>
               <a:rPr lang="en-US" altLang="zh-CN" sz="1800" dirty="0" smtClean="0">
@@ -30682,7 +30626,6 @@
               <a:rPr lang="en-US" altLang="zh-CN" dirty="0" smtClean="0"/>
               <a:t>weights.</a:t>
             </a:r>
-            <a:endParaRPr lang="en-US" altLang="zh-CN" dirty="0" smtClean="0"/>
           </a:p>
           <a:p>
             <a:pPr lvl="1"/>
@@ -31658,9 +31601,14 @@
               <a:t>              </a:t>
             </a:r>
             <a:r>
-              <a:rPr lang="en-US" altLang="zh-CN" dirty="0" smtClean="0"/>
-              <a:t>1]</a:t>
-            </a:r>
+              <a:rPr lang="en-US" altLang="zh-CN" dirty="0"/>
+              <a:t>0</a:t>
+            </a:r>
+            <a:r>
+              <a:rPr lang="en-US" altLang="zh-CN" dirty="0" smtClean="0"/>
+              <a:t>]</a:t>
+            </a:r>
+            <a:endParaRPr lang="en-US" altLang="zh-CN" dirty="0" smtClean="0"/>
           </a:p>
           <a:p>
             <a:r>
@@ -33393,11 +33341,7 @@
             </a:r>
             <a:r>
               <a:rPr lang="zh-CN" altLang="en-US" dirty="0" smtClean="0"/>
-              <a:t>代码</a:t>
-            </a:r>
-            <a:r>
-              <a:rPr lang="zh-CN" altLang="en-US" dirty="0" smtClean="0"/>
-              <a:t>讲解</a:t>
+              <a:t>代码讲解</a:t>
             </a:r>
             <a:endParaRPr lang="en-US" altLang="zh-CN" dirty="0" smtClean="0"/>
           </a:p>
